--- a/CapstoneReports/Mortgage_Delinquent PPP.pptx
+++ b/CapstoneReports/Mortgage_Delinquent PPP.pptx
@@ -4399,7 +4399,7 @@
           <a:p>
             <a:fld id="{48A87A34-81AB-432B-8DAE-1953F412C126}" type="datetimeFigureOut">
               <a:rPr lang="en-US" dirty="0"/>
-              <a:t>10/31/2019</a:t>
+              <a:t>11/1/2019</a:t>
             </a:fld>
             <a:endParaRPr lang="en-US" dirty="0"/>
           </a:p>
@@ -4661,7 +4661,7 @@
           <a:p>
             <a:fld id="{48A87A34-81AB-432B-8DAE-1953F412C126}" type="datetimeFigureOut">
               <a:rPr lang="en-US" dirty="0"/>
-              <a:t>10/31/2019</a:t>
+              <a:t>11/1/2019</a:t>
             </a:fld>
             <a:endParaRPr lang="en-US" dirty="0"/>
           </a:p>
@@ -4852,7 +4852,7 @@
           <a:p>
             <a:fld id="{48A87A34-81AB-432B-8DAE-1953F412C126}" type="datetimeFigureOut">
               <a:rPr lang="en-US" dirty="0"/>
-              <a:t>10/31/2019</a:t>
+              <a:t>11/1/2019</a:t>
             </a:fld>
             <a:endParaRPr lang="en-US" dirty="0"/>
           </a:p>
@@ -5110,7 +5110,7 @@
           <a:p>
             <a:fld id="{48A87A34-81AB-432B-8DAE-1953F412C126}" type="datetimeFigureOut">
               <a:rPr lang="en-US" dirty="0"/>
-              <a:t>10/31/2019</a:t>
+              <a:t>11/1/2019</a:t>
             </a:fld>
             <a:endParaRPr lang="en-US" dirty="0"/>
           </a:p>
@@ -5539,7 +5539,7 @@
           <a:p>
             <a:fld id="{48A87A34-81AB-432B-8DAE-1953F412C126}" type="datetimeFigureOut">
               <a:rPr lang="en-US" dirty="0"/>
-              <a:t>10/31/2019</a:t>
+              <a:t>11/1/2019</a:t>
             </a:fld>
             <a:endParaRPr lang="en-US" dirty="0"/>
           </a:p>
@@ -6080,7 +6080,7 @@
           <a:p>
             <a:fld id="{48A87A34-81AB-432B-8DAE-1953F412C126}" type="datetimeFigureOut">
               <a:rPr lang="en-US" dirty="0"/>
-              <a:t>10/31/2019</a:t>
+              <a:t>11/1/2019</a:t>
             </a:fld>
             <a:endParaRPr lang="en-US" dirty="0"/>
           </a:p>
@@ -6795,7 +6795,7 @@
           <a:p>
             <a:fld id="{48A87A34-81AB-432B-8DAE-1953F412C126}" type="datetimeFigureOut">
               <a:rPr lang="en-US" dirty="0"/>
-              <a:t>10/31/2019</a:t>
+              <a:t>11/1/2019</a:t>
             </a:fld>
             <a:endParaRPr lang="en-US" dirty="0"/>
           </a:p>
@@ -6960,7 +6960,7 @@
           <a:p>
             <a:fld id="{48A87A34-81AB-432B-8DAE-1953F412C126}" type="datetimeFigureOut">
               <a:rPr lang="en-US" dirty="0"/>
-              <a:t>10/31/2019</a:t>
+              <a:t>11/1/2019</a:t>
             </a:fld>
             <a:endParaRPr lang="en-US" dirty="0"/>
           </a:p>
@@ -7135,7 +7135,7 @@
           <a:p>
             <a:fld id="{48A87A34-81AB-432B-8DAE-1953F412C126}" type="datetimeFigureOut">
               <a:rPr lang="en-US" dirty="0"/>
-              <a:t>10/31/2019</a:t>
+              <a:t>11/1/2019</a:t>
             </a:fld>
             <a:endParaRPr lang="en-US" dirty="0"/>
           </a:p>
@@ -7300,7 +7300,7 @@
           <a:p>
             <a:fld id="{48A87A34-81AB-432B-8DAE-1953F412C126}" type="datetimeFigureOut">
               <a:rPr lang="en-US" dirty="0"/>
-              <a:t>10/31/2019</a:t>
+              <a:t>11/1/2019</a:t>
             </a:fld>
             <a:endParaRPr lang="en-US" dirty="0"/>
           </a:p>
@@ -7545,7 +7545,7 @@
           <a:p>
             <a:fld id="{48A87A34-81AB-432B-8DAE-1953F412C126}" type="datetimeFigureOut">
               <a:rPr lang="en-US" dirty="0"/>
-              <a:t>10/31/2019</a:t>
+              <a:t>11/1/2019</a:t>
             </a:fld>
             <a:endParaRPr lang="en-US" dirty="0"/>
           </a:p>
@@ -7772,7 +7772,7 @@
           <a:p>
             <a:fld id="{48A87A34-81AB-432B-8DAE-1953F412C126}" type="datetimeFigureOut">
               <a:rPr lang="en-US" dirty="0"/>
-              <a:t>10/31/2019</a:t>
+              <a:t>11/1/2019</a:t>
             </a:fld>
             <a:endParaRPr lang="en-US" dirty="0"/>
           </a:p>
@@ -8148,7 +8148,7 @@
           <a:p>
             <a:fld id="{48A87A34-81AB-432B-8DAE-1953F412C126}" type="datetimeFigureOut">
               <a:rPr lang="en-US" dirty="0"/>
-              <a:t>10/31/2019</a:t>
+              <a:t>11/1/2019</a:t>
             </a:fld>
             <a:endParaRPr lang="en-US" dirty="0"/>
           </a:p>
@@ -8261,7 +8261,7 @@
           <a:p>
             <a:fld id="{48A87A34-81AB-432B-8DAE-1953F412C126}" type="datetimeFigureOut">
               <a:rPr lang="en-US" dirty="0"/>
-              <a:t>10/31/2019</a:t>
+              <a:t>11/1/2019</a:t>
             </a:fld>
             <a:endParaRPr lang="en-US" dirty="0"/>
           </a:p>
@@ -8351,7 +8351,7 @@
           <a:p>
             <a:fld id="{48A87A34-81AB-432B-8DAE-1953F412C126}" type="datetimeFigureOut">
               <a:rPr lang="en-US" dirty="0"/>
-              <a:t>10/31/2019</a:t>
+              <a:t>11/1/2019</a:t>
             </a:fld>
             <a:endParaRPr lang="en-US" dirty="0"/>
           </a:p>
@@ -8595,7 +8595,7 @@
           <a:p>
             <a:fld id="{48A87A34-81AB-432B-8DAE-1953F412C126}" type="datetimeFigureOut">
               <a:rPr lang="en-US" dirty="0"/>
-              <a:t>10/31/2019</a:t>
+              <a:t>11/1/2019</a:t>
             </a:fld>
             <a:endParaRPr lang="en-US" dirty="0"/>
           </a:p>
@@ -8870,7 +8870,7 @@
           <a:p>
             <a:fld id="{48A87A34-81AB-432B-8DAE-1953F412C126}" type="datetimeFigureOut">
               <a:rPr lang="en-US" dirty="0"/>
-              <a:t>10/31/2019</a:t>
+              <a:t>11/1/2019</a:t>
             </a:fld>
             <a:endParaRPr lang="en-US" dirty="0"/>
           </a:p>
@@ -11943,7 +11943,7 @@
             <a:fld id="{48A87A34-81AB-432B-8DAE-1953F412C126}" type="datetimeFigureOut">
               <a:rPr lang="en-US" dirty="0"/>
               <a:pPr/>
-              <a:t>10/31/2019</a:t>
+              <a:t>11/1/2019</a:t>
             </a:fld>
             <a:endParaRPr lang="en-US" dirty="0"/>
           </a:p>
@@ -12381,19 +12381,18 @@
         </p:blipFill>
         <p:spPr>
           <a:xfrm>
-            <a:off x="3946836" y="0"/>
+            <a:off x="4113922" y="0"/>
             <a:ext cx="4298328" cy="2690037"/>
           </a:xfrm>
           <a:prstGeom prst="rect">
             <a:avLst/>
           </a:prstGeom>
-          <a:blipFill dpi="0" rotWithShape="1">
-            <a:blip r:embed="rId3">
-              <a:alphaModFix amt="13000"/>
-            </a:blip>
-            <a:srcRect/>
-            <a:tile tx="0" ty="0" sx="100000" sy="100000" flip="none" algn="tl"/>
-          </a:blipFill>
+          <a:solidFill>
+            <a:schemeClr val="bg2">
+              <a:lumMod val="60000"/>
+              <a:lumOff val="40000"/>
+            </a:schemeClr>
+          </a:solidFill>
           <a:effectLst>
             <a:innerShdw blurRad="63500" dist="50800" dir="16200000">
               <a:prstClr val="black">
@@ -12403,6 +12402,78 @@
           </a:effectLst>
         </p:spPr>
       </p:pic>
+      <p:sp>
+        <p:nvSpPr>
+          <p:cNvPr id="2" name="TextBox 1">
+            <a:extLst>
+              <a:ext uri="{FF2B5EF4-FFF2-40B4-BE49-F238E27FC236}">
+                <a16:creationId xmlns:a16="http://schemas.microsoft.com/office/drawing/2014/main" id="{36BEB1A1-5FAB-4089-98A0-E5FDEB0812A2}"/>
+              </a:ext>
+            </a:extLst>
+          </p:cNvPr>
+          <p:cNvSpPr txBox="1"/>
+          <p:nvPr/>
+        </p:nvSpPr>
+        <p:spPr>
+          <a:xfrm>
+            <a:off x="2334638" y="3193383"/>
+            <a:ext cx="8132323" cy="1107996"/>
+          </a:xfrm>
+          <a:prstGeom prst="rect">
+            <a:avLst/>
+          </a:prstGeom>
+          <a:noFill/>
+        </p:spPr>
+        <p:txBody>
+          <a:bodyPr wrap="square" rtlCol="0">
+            <a:spAutoFit/>
+          </a:bodyPr>
+          <a:lstStyle/>
+          <a:p>
+            <a:pPr algn="ctr"/>
+            <a:r>
+              <a:rPr lang="en-US" sz="6600" dirty="0"/>
+              <a:t>Mortgage Delinquency </a:t>
+            </a:r>
+          </a:p>
+        </p:txBody>
+      </p:sp>
+      <p:sp>
+        <p:nvSpPr>
+          <p:cNvPr id="3" name="TextBox 2">
+            <a:extLst>
+              <a:ext uri="{FF2B5EF4-FFF2-40B4-BE49-F238E27FC236}">
+                <a16:creationId xmlns:a16="http://schemas.microsoft.com/office/drawing/2014/main" id="{F4EC8950-90B7-4887-8542-44B063F3B382}"/>
+              </a:ext>
+            </a:extLst>
+          </p:cNvPr>
+          <p:cNvSpPr txBox="1"/>
+          <p:nvPr/>
+        </p:nvSpPr>
+        <p:spPr>
+          <a:xfrm>
+            <a:off x="3780101" y="4404615"/>
+            <a:ext cx="4965969" cy="400110"/>
+          </a:xfrm>
+          <a:prstGeom prst="rect">
+            <a:avLst/>
+          </a:prstGeom>
+          <a:noFill/>
+        </p:spPr>
+        <p:txBody>
+          <a:bodyPr wrap="square" rtlCol="0">
+            <a:spAutoFit/>
+          </a:bodyPr>
+          <a:lstStyle/>
+          <a:p>
+            <a:pPr algn="ctr"/>
+            <a:r>
+              <a:rPr lang="en-US" sz="2000" dirty="0"/>
+              <a:t>Data Science Certificate Program: Cohort 16</a:t>
+            </a:r>
+          </a:p>
+        </p:txBody>
+      </p:sp>
     </p:spTree>
     <p:extLst>
       <p:ext uri="{BB962C8B-B14F-4D97-AF65-F5344CB8AC3E}">
@@ -12864,47 +12935,54 @@
             <p:ph type="title"/>
           </p:nvPr>
         </p:nvSpPr>
-        <p:spPr/>
+        <p:spPr>
+          <a:xfrm>
+            <a:off x="3352562" y="0"/>
+            <a:ext cx="5288570" cy="972366"/>
+          </a:xfrm>
+        </p:spPr>
         <p:txBody>
           <a:bodyPr/>
           <a:lstStyle/>
           <a:p>
-            <a:r>
-              <a:rPr lang="en-US" dirty="0" err="1"/>
-              <a:t>PipEline</a:t>
-            </a:r>
+            <a:pPr algn="ctr"/>
             <a:r>
               <a:rPr lang="en-US" dirty="0"/>
-              <a:t> Architecture</a:t>
+              <a:t>Pipeline Architecture</a:t>
             </a:r>
           </a:p>
         </p:txBody>
       </p:sp>
-      <p:sp>
-        <p:nvSpPr>
-          <p:cNvPr id="3" name="Content Placeholder 2">
+      <p:pic>
+        <p:nvPicPr>
+          <p:cNvPr id="4" name="Picture 3">
             <a:extLst>
               <a:ext uri="{FF2B5EF4-FFF2-40B4-BE49-F238E27FC236}">
-                <a16:creationId xmlns:a16="http://schemas.microsoft.com/office/drawing/2014/main" id="{015A4789-567E-44D8-8C03-07BA5EE7322D}"/>
+                <a16:creationId xmlns:a16="http://schemas.microsoft.com/office/drawing/2014/main" id="{46B4E7FF-9D45-49D2-BA6E-7C33EEFBC494}"/>
               </a:ext>
             </a:extLst>
           </p:cNvPr>
-          <p:cNvSpPr>
-            <a:spLocks noGrp="1"/>
-          </p:cNvSpPr>
-          <p:nvPr>
-            <p:ph idx="1"/>
-          </p:nvPr>
-        </p:nvSpPr>
-        <p:spPr/>
-        <p:txBody>
-          <a:bodyPr/>
-          <a:lstStyle/>
-          <a:p>
-            <a:endParaRPr lang="en-US"/>
-          </a:p>
-        </p:txBody>
-      </p:sp>
+          <p:cNvPicPr>
+            <a:picLocks noChangeAspect="1"/>
+          </p:cNvPicPr>
+          <p:nvPr/>
+        </p:nvPicPr>
+        <p:blipFill>
+          <a:blip r:embed="rId2"/>
+          <a:stretch>
+            <a:fillRect/>
+          </a:stretch>
+        </p:blipFill>
+        <p:spPr>
+          <a:xfrm>
+            <a:off x="1454986" y="551329"/>
+            <a:ext cx="9747115" cy="6131860"/>
+          </a:xfrm>
+          <a:prstGeom prst="rect">
+            <a:avLst/>
+          </a:prstGeom>
+        </p:spPr>
+      </p:pic>
     </p:spTree>
     <p:extLst>
       <p:ext uri="{BB962C8B-B14F-4D97-AF65-F5344CB8AC3E}">
